--- a/trunk/Lectures/0. Course Introduction/Course Introduction.pptx
+++ b/trunk/Lectures/0. Course Introduction/Course Introduction.pptx
@@ -289,7 +289,7 @@
             <a:fld id="{3BF7C7B5-275F-4D1F-9AB4-9255447DBC73}" type="datetimeFigureOut">
               <a:rPr lang="en-US"/>
               <a:pPr/>
-              <a:t>05-Oct-11</a:t>
+              <a:t>07-Oct-11</a:t>
             </a:fld>
             <a:endParaRPr lang="en-US" dirty="0"/>
           </a:p>
@@ -520,7 +520,7 @@
             <a:fld id="{9B46F231-FB2B-4655-A644-E2477325E686}" type="datetimeFigureOut">
               <a:rPr lang="en-US"/>
               <a:pPr/>
-              <a:t>05-Oct-11</a:t>
+              <a:t>07-Oct-11</a:t>
             </a:fld>
             <a:endParaRPr lang="en-US" dirty="0"/>
           </a:p>
@@ -5574,15 +5574,7 @@
           <a:p>
             <a:r>
               <a:rPr lang="en-US" sz="4800" dirty="0" smtClean="0"/>
-              <a:t>Web Applications </a:t>
-            </a:r>
-            <a:r>
-              <a:rPr lang="en-US" sz="4800" dirty="0" smtClean="0"/>
-              <a:t>with ASP.NET </a:t>
-            </a:r>
-            <a:r>
-              <a:rPr lang="en-US" sz="4800" dirty="0" smtClean="0"/>
-              <a:t>MVC</a:t>
+              <a:t>Web Applications with ASP.NET MVC</a:t>
             </a:r>
             <a:endParaRPr lang="en-US" sz="4800" dirty="0"/>
           </a:p>
@@ -5806,11 +5798,7 @@
             </a:pPr>
             <a:r>
               <a:rPr lang="en-US" dirty="0" smtClean="0"/>
-              <a:t>Sofia </a:t>
-            </a:r>
-            <a:r>
-              <a:rPr lang="en-US" dirty="0" smtClean="0"/>
-              <a:t>University – FMI</a:t>
+              <a:t>Sofia University – FMI</a:t>
             </a:r>
           </a:p>
           <a:p>
@@ -5821,23 +5809,7 @@
             </a:pPr>
             <a:r>
               <a:rPr lang="en-US" dirty="0" smtClean="0"/>
-              <a:t>Every </a:t>
-            </a:r>
-            <a:r>
-              <a:rPr lang="en-US" dirty="0" smtClean="0"/>
-              <a:t>Monday, </a:t>
-            </a:r>
-            <a:r>
-              <a:rPr lang="en-US" dirty="0" smtClean="0"/>
-              <a:t>18:00-21:00, </a:t>
-            </a:r>
-            <a:r>
-              <a:rPr lang="en-US" dirty="0" smtClean="0"/>
-              <a:t>Lab </a:t>
-            </a:r>
-            <a:r>
-              <a:rPr lang="en-US" dirty="0" smtClean="0"/>
-              <a:t>229</a:t>
+              <a:t>Every Monday, 18:00-21:00, Lab 229</a:t>
             </a:r>
           </a:p>
           <a:p>
@@ -5848,11 +5820,7 @@
             </a:pPr>
             <a:r>
               <a:rPr lang="en-US" dirty="0" smtClean="0"/>
-              <a:t>Start: </a:t>
-            </a:r>
-            <a:r>
-              <a:rPr lang="en-US" dirty="0" smtClean="0"/>
-              <a:t>10</a:t>
+              <a:t>Start: 10</a:t>
             </a:r>
             <a:r>
               <a:rPr lang="en-US" baseline="30000" dirty="0" smtClean="0"/>
@@ -5860,17 +5828,8 @@
             </a:r>
             <a:r>
               <a:rPr lang="en-US" dirty="0" smtClean="0"/>
-              <a:t> </a:t>
-            </a:r>
-            <a:r>
-              <a:rPr lang="en-US" dirty="0" smtClean="0"/>
-              <a:t>October </a:t>
-            </a:r>
-            <a:r>
-              <a:rPr lang="en-US" dirty="0" smtClean="0"/>
-              <a:t>2011</a:t>
-            </a:r>
-            <a:endParaRPr lang="en-US" dirty="0" smtClean="0"/>
+              <a:t> October 2011</a:t>
+            </a:r>
           </a:p>
           <a:p>
             <a:pPr lvl="0">
@@ -5882,7 +5841,6 @@
               <a:rPr lang="en-US" dirty="0" smtClean="0"/>
               <a:t>Telerik Academy</a:t>
             </a:r>
-            <a:endParaRPr lang="en-US" dirty="0" smtClean="0"/>
           </a:p>
           <a:p>
             <a:pPr lvl="1">
@@ -5892,29 +5850,8 @@
             </a:pPr>
             <a:r>
               <a:rPr lang="en-US" dirty="0" smtClean="0"/>
-              <a:t>Every </a:t>
-            </a:r>
-            <a:r>
-              <a:rPr lang="en-US" dirty="0" smtClean="0"/>
-              <a:t>Thursday, </a:t>
-            </a:r>
-            <a:r>
-              <a:rPr lang="en-US" dirty="0" smtClean="0"/>
-              <a:t>18:00-21:00, </a:t>
-            </a:r>
-            <a:r>
-              <a:rPr lang="en-US" dirty="0" smtClean="0"/>
-              <a:t>New Training </a:t>
-            </a:r>
-            <a:r>
-              <a:rPr lang="en-US" dirty="0" smtClean="0"/>
-              <a:t>H</a:t>
-            </a:r>
-            <a:r>
-              <a:rPr lang="en-US" dirty="0" smtClean="0"/>
-              <a:t>all</a:t>
-            </a:r>
-            <a:endParaRPr lang="en-US" dirty="0" smtClean="0"/>
+              <a:t>Every Thursday, 18:00-21:00, New Training Hall</a:t>
+            </a:r>
           </a:p>
           <a:p>
             <a:pPr lvl="1">
@@ -5924,11 +5861,7 @@
             </a:pPr>
             <a:r>
               <a:rPr lang="en-US" dirty="0" smtClean="0"/>
-              <a:t>Start: </a:t>
-            </a:r>
-            <a:r>
-              <a:rPr lang="en-US" dirty="0" smtClean="0"/>
-              <a:t>20</a:t>
+              <a:t>Start: 20</a:t>
             </a:r>
             <a:r>
               <a:rPr lang="en-US" baseline="30000" dirty="0" smtClean="0"/>
@@ -5938,7 +5871,6 @@
               <a:rPr lang="en-US" dirty="0" smtClean="0"/>
               <a:t> October 2011</a:t>
             </a:r>
-            <a:endParaRPr lang="en-US" dirty="0" smtClean="0"/>
           </a:p>
         </p:txBody>
       </p:sp>
@@ -6443,11 +6375,7 @@
             </a:pPr>
             <a:r>
               <a:rPr lang="en-US" sz="2800" dirty="0" smtClean="0"/>
-              <a:t>LINQ Operators and Expressions, Projections, Conversions, Aggregations, ADO.NET Entity Framework: Read / Create / Update / Delete </a:t>
-            </a:r>
-            <a:r>
-              <a:rPr lang="en-US" sz="2800" dirty="0" smtClean="0"/>
-              <a:t>Data</a:t>
+              <a:t>LINQ Operators and Expressions, Projections, Conversions, Aggregations, ADO.NET Entity Framework: Read / Create / Update / Delete Data</a:t>
             </a:r>
           </a:p>
           <a:p>
@@ -6474,7 +6402,6 @@
               <a:rPr lang="en-US" sz="2800" dirty="0" smtClean="0"/>
               <a:t>WWW, HTTP, Request-Response, HTML Fundamentals, Tags, Tables, Forms, etc.</a:t>
             </a:r>
-            <a:endParaRPr lang="en-US" sz="2800" dirty="0" smtClean="0"/>
           </a:p>
         </p:txBody>
       </p:sp>
@@ -6618,7 +6545,6 @@
               <a:rPr lang="en-US" sz="2800" dirty="0" smtClean="0"/>
               <a:t>Overflow, etc.</a:t>
             </a:r>
-            <a:endParaRPr lang="en-US" sz="2800" dirty="0" smtClean="0"/>
           </a:p>
           <a:p>
             <a:pPr marL="514350" indent="-514350">
@@ -6877,7 +6803,6 @@
               <a:rPr lang="en-US" sz="3000" dirty="0" smtClean="0"/>
               <a:t>2</a:t>
             </a:r>
-            <a:endParaRPr lang="en-US" sz="3000" dirty="0" smtClean="0"/>
           </a:p>
           <a:p>
             <a:pPr marL="457200" lvl="1" indent="-228600">
@@ -6903,11 +6828,7 @@
             </a:r>
             <a:r>
               <a:rPr lang="en-US" sz="2800" dirty="0" smtClean="0"/>
-              <a:t>and</a:t>
-            </a:r>
-            <a:r>
-              <a:rPr lang="en-US" sz="2800" dirty="0" smtClean="0"/>
-              <a:t> Security</a:t>
+              <a:t>and Security</a:t>
             </a:r>
           </a:p>
           <a:p>
@@ -6937,19 +6858,7 @@
             </a:pPr>
             <a:r>
               <a:rPr lang="en-US" sz="2800" dirty="0"/>
-              <a:t>MVC </a:t>
-            </a:r>
-            <a:r>
-              <a:rPr lang="en-US" sz="2800" dirty="0"/>
-              <a:t>Scaffolding, </a:t>
-            </a:r>
-            <a:r>
-              <a:rPr lang="en-US" sz="2800" dirty="0"/>
-              <a:t>AJAX </a:t>
-            </a:r>
-            <a:r>
-              <a:rPr lang="en-US" sz="2800" dirty="0"/>
-              <a:t>with</a:t>
+              <a:t>MVC Scaffolding, AJAX with</a:t>
             </a:r>
             <a:r>
               <a:rPr lang="bg-BG" sz="2800" dirty="0"/>
@@ -6957,11 +6866,7 @@
             </a:r>
             <a:r>
               <a:rPr lang="en-US" sz="2800" dirty="0"/>
-              <a:t>ASP.NET </a:t>
-            </a:r>
-            <a:r>
-              <a:rPr lang="en-US" sz="2800" dirty="0"/>
-              <a:t>MVC, Best practices, Monitoring</a:t>
+              <a:t>ASP.NET MVC, Best practices, Monitoring</a:t>
             </a:r>
           </a:p>
           <a:p>
@@ -6972,15 +6877,7 @@
             </a:pPr>
             <a:r>
               <a:rPr lang="en-US" sz="2800" dirty="0"/>
-              <a:t>Some other advanced </a:t>
-            </a:r>
-            <a:r>
-              <a:rPr lang="en-US" sz="2800" dirty="0"/>
-              <a:t>t</a:t>
-            </a:r>
-            <a:r>
-              <a:rPr lang="en-US" sz="2800" dirty="0"/>
-              <a:t>opics</a:t>
+              <a:t>Some other advanced topics</a:t>
             </a:r>
           </a:p>
           <a:p>
@@ -7252,11 +7149,7 @@
             </a:pPr>
             <a:r>
               <a:rPr lang="en-US" dirty="0" smtClean="0"/>
-              <a:t>Manager Technical </a:t>
-            </a:r>
-            <a:r>
-              <a:rPr lang="en-US" dirty="0" smtClean="0"/>
-              <a:t>Training</a:t>
+              <a:t>Manager Technical Training</a:t>
             </a:r>
           </a:p>
           <a:p>
@@ -7278,11 +7171,7 @@
             </a:pPr>
             <a:r>
               <a:rPr lang="en-US" dirty="0" smtClean="0"/>
-              <a:t>Telerik </a:t>
-            </a:r>
-            <a:r>
-              <a:rPr lang="en-US" dirty="0" smtClean="0"/>
-              <a:t>Academy</a:t>
+              <a:t>Telerik Academy</a:t>
             </a:r>
           </a:p>
           <a:p>
@@ -7293,15 +7182,7 @@
             </a:pPr>
             <a:r>
               <a:rPr lang="en-US" dirty="0" smtClean="0"/>
-              <a:t>20</a:t>
-            </a:r>
-            <a:r>
-              <a:rPr lang="en-US" dirty="0" smtClean="0"/>
-              <a:t> </a:t>
-            </a:r>
-            <a:r>
-              <a:rPr lang="en-US" dirty="0" smtClean="0"/>
-              <a:t>years software development experience</a:t>
+              <a:t>20 years software development experience</a:t>
             </a:r>
           </a:p>
         </p:txBody>
@@ -7642,15 +7523,6 @@
                 <a:tailEnd/>
               </a14:hiddenLine>
             </a:ext>
-            <a:ext uri="{AF507438-7753-43E0-B8FC-AC1667EBCBE1}">
-              <a14:hiddenEffects xmlns:a14="http://schemas.microsoft.com/office/drawing/2010/main">
-                <a:effectLst>
-                  <a:outerShdw dist="35921" dir="2700000" algn="ctr" rotWithShape="0">
-                    <a:schemeClr val="bg2"/>
-                  </a:outerShdw>
-                </a:effectLst>
-              </a14:hiddenEffects>
-            </a:ext>
           </a:extLst>
         </p:spPr>
       </p:pic>
@@ -7671,11 +7543,7 @@
           <a:p>
             <a:r>
               <a:rPr lang="en-US" dirty="0" smtClean="0"/>
-              <a:t>Trainers </a:t>
-            </a:r>
-            <a:r>
-              <a:rPr lang="en-US" dirty="0" smtClean="0"/>
-              <a:t>Team (2)</a:t>
+              <a:t>Trainers Team (2)</a:t>
             </a:r>
             <a:endParaRPr lang="en-US" dirty="0"/>
           </a:p>
@@ -7710,7 +7578,6 @@
               <a:rPr lang="en-US" dirty="0" smtClean="0"/>
               <a:t>Nikolay Kostov</a:t>
             </a:r>
-            <a:endParaRPr lang="en-US" dirty="0" smtClean="0"/>
           </a:p>
           <a:p>
             <a:pPr lvl="1">
@@ -7763,7 +7630,6 @@
               <a:rPr lang="en-US" dirty="0" smtClean="0"/>
               <a:t> year student in FMI</a:t>
             </a:r>
-            <a:endParaRPr lang="en-US" dirty="0" smtClean="0"/>
           </a:p>
         </p:txBody>
       </p:sp>
@@ -7885,26 +7751,7 @@
                 </a:effectLst>
                 <a:latin typeface="Corbel"/>
               </a:rPr>
-              <a:t> </a:t>
-            </a:r>
-            <a:r>
-              <a:rPr lang="en-US" sz="3000" b="1" dirty="0" smtClean="0">
-                <a:solidFill>
-                  <a:srgbClr val="CCFF66">
-                    <a:lumMod val="40000"/>
-                    <a:lumOff val="60000"/>
-                  </a:srgbClr>
-                </a:solidFill>
-                <a:effectLst>
-                  <a:outerShdw blurRad="38100" dist="38100" dir="2700000" algn="tl">
-                    <a:srgbClr val="000000">
-                      <a:alpha val="43137"/>
-                    </a:srgbClr>
-                  </a:outerShdw>
-                </a:effectLst>
-                <a:latin typeface="Corbel"/>
-              </a:rPr>
-              <a:t>[at] telerik.com</a:t>
+              <a:t> [at] telerik.com</a:t>
             </a:r>
           </a:p>
           <a:p>
@@ -8092,15 +7939,6 @@
                 <a:tailEnd/>
               </a14:hiddenLine>
             </a:ext>
-            <a:ext uri="{AF507438-7753-43E0-B8FC-AC1667EBCBE1}">
-              <a14:hiddenEffects xmlns:a14="http://schemas.microsoft.com/office/drawing/2010/main">
-                <a:effectLst>
-                  <a:outerShdw dist="35921" dir="2700000" algn="ctr" rotWithShape="0">
-                    <a:schemeClr val="bg2"/>
-                  </a:outerShdw>
-                </a:effectLst>
-              </a14:hiddenEffects>
-            </a:ext>
           </a:extLst>
         </p:spPr>
       </p:pic>
@@ -8121,11 +7959,7 @@
           <a:p>
             <a:r>
               <a:rPr lang="en-US" dirty="0" smtClean="0"/>
-              <a:t>Trainers </a:t>
-            </a:r>
-            <a:r>
-              <a:rPr lang="en-US" dirty="0" smtClean="0"/>
-              <a:t>Team (3)</a:t>
+              <a:t>Trainers Team (3)</a:t>
             </a:r>
             <a:endParaRPr lang="en-US" dirty="0"/>
           </a:p>
@@ -8160,7 +7994,6 @@
               <a:rPr lang="en-US" dirty="0" smtClean="0"/>
               <a:t>Doncho Minkov</a:t>
             </a:r>
-            <a:endParaRPr lang="en-US" dirty="0" smtClean="0"/>
           </a:p>
           <a:p>
             <a:pPr lvl="1">
@@ -8213,7 +8046,6 @@
               <a:rPr lang="en-US" dirty="0" smtClean="0"/>
               <a:t> year student in FMI</a:t>
             </a:r>
-            <a:endParaRPr lang="en-US" dirty="0" smtClean="0"/>
           </a:p>
         </p:txBody>
       </p:sp>
@@ -8335,26 +8167,7 @@
                 </a:effectLst>
                 <a:latin typeface="Corbel"/>
               </a:rPr>
-              <a:t> </a:t>
-            </a:r>
-            <a:r>
-              <a:rPr lang="en-US" sz="3000" b="1" dirty="0" smtClean="0">
-                <a:solidFill>
-                  <a:srgbClr val="CCFF66">
-                    <a:lumMod val="40000"/>
-                    <a:lumOff val="60000"/>
-                  </a:srgbClr>
-                </a:solidFill>
-                <a:effectLst>
-                  <a:outerShdw blurRad="38100" dist="38100" dir="2700000" algn="tl">
-                    <a:srgbClr val="000000">
-                      <a:alpha val="43137"/>
-                    </a:srgbClr>
-                  </a:outerShdw>
-                </a:effectLst>
-                <a:latin typeface="Corbel"/>
-              </a:rPr>
-              <a:t>[at] telerik.com</a:t>
+              <a:t> [at] telerik.com</a:t>
             </a:r>
           </a:p>
           <a:p>
@@ -8724,11 +8537,7 @@
           <a:p>
             <a:r>
               <a:rPr lang="en-US" dirty="0" smtClean="0"/>
-              <a:t>Trainers </a:t>
-            </a:r>
-            <a:r>
-              <a:rPr lang="en-US" dirty="0" smtClean="0"/>
-              <a:t>Team (4)</a:t>
+              <a:t>Trainers Team (4)</a:t>
             </a:r>
             <a:endParaRPr lang="en-US" dirty="0"/>
           </a:p>
@@ -8763,7 +8572,6 @@
               <a:rPr lang="en-US" dirty="0" smtClean="0"/>
               <a:t>Ivan Zhekov</a:t>
             </a:r>
-            <a:endParaRPr lang="en-US" dirty="0" smtClean="0"/>
           </a:p>
           <a:p>
             <a:pPr lvl="1">
@@ -8801,7 +8609,6 @@
               <a:rPr lang="en-US" dirty="0" smtClean="0"/>
               <a:t>ASP.NET Team</a:t>
             </a:r>
-            <a:endParaRPr lang="en-US" dirty="0" smtClean="0"/>
           </a:p>
         </p:txBody>
       </p:sp>
@@ -8974,45 +8781,7 @@
                 </a:effectLst>
                 <a:latin typeface="Corbel"/>
               </a:rPr>
-              <a:t>E-mail</a:t>
-            </a:r>
-            <a:r>
-              <a:rPr lang="en-US" sz="3000" b="1" dirty="0" smtClean="0">
-                <a:solidFill>
-                  <a:srgbClr val="CCFF66">
-                    <a:lumMod val="40000"/>
-                    <a:lumOff val="60000"/>
-                  </a:srgbClr>
-                </a:solidFill>
-                <a:effectLst>
-                  <a:outerShdw blurRad="38100" dist="38100" dir="2700000" algn="tl">
-                    <a:srgbClr val="000000">
-                      <a:alpha val="43137"/>
-                    </a:srgbClr>
-                  </a:outerShdw>
-                </a:effectLst>
-                <a:latin typeface="Corbel"/>
-              </a:rPr>
-              <a:t>: </a:t>
-            </a:r>
-            <a:r>
-              <a:rPr lang="en-US" sz="3000" b="1" dirty="0" smtClean="0">
-                <a:solidFill>
-                  <a:srgbClr val="CCFF66">
-                    <a:lumMod val="40000"/>
-                    <a:lumOff val="60000"/>
-                  </a:srgbClr>
-                </a:solidFill>
-                <a:effectLst>
-                  <a:outerShdw blurRad="38100" dist="38100" dir="2700000" algn="tl">
-                    <a:srgbClr val="000000">
-                      <a:alpha val="43137"/>
-                    </a:srgbClr>
-                  </a:outerShdw>
-                </a:effectLst>
-                <a:latin typeface="Corbel"/>
-              </a:rPr>
-              <a:t>i</a:t>
+              <a:t>E-mail: i</a:t>
             </a:r>
             <a:r>
               <a:rPr lang="en-US" sz="3000" b="1" noProof="1" smtClean="0">
@@ -9050,62 +8819,8 @@
                 </a:effectLst>
                 <a:latin typeface="Corbel"/>
               </a:rPr>
-              <a:t>[at</a:t>
-            </a:r>
-            <a:r>
-              <a:rPr lang="en-US" sz="3000" b="1" dirty="0" smtClean="0">
-                <a:solidFill>
-                  <a:srgbClr val="CCFF66">
-                    <a:lumMod val="40000"/>
-                    <a:lumOff val="60000"/>
-                  </a:srgbClr>
-                </a:solidFill>
-                <a:effectLst>
-                  <a:outerShdw blurRad="38100" dist="38100" dir="2700000" algn="tl">
-                    <a:srgbClr val="000000">
-                      <a:alpha val="43137"/>
-                    </a:srgbClr>
-                  </a:outerShdw>
-                </a:effectLst>
-                <a:latin typeface="Corbel"/>
-              </a:rPr>
-              <a:t>] </a:t>
-            </a:r>
-            <a:r>
-              <a:rPr lang="en-US" sz="3000" b="1" dirty="0" smtClean="0">
-                <a:solidFill>
-                  <a:srgbClr val="CCFF66">
-                    <a:lumMod val="40000"/>
-                    <a:lumOff val="60000"/>
-                  </a:srgbClr>
-                </a:solidFill>
-                <a:effectLst>
-                  <a:outerShdw blurRad="38100" dist="38100" dir="2700000" algn="tl">
-                    <a:srgbClr val="000000">
-                      <a:alpha val="43137"/>
-                    </a:srgbClr>
-                  </a:outerShdw>
-                </a:effectLst>
-                <a:latin typeface="Corbel"/>
-              </a:rPr>
-              <a:t>telerik.com</a:t>
-            </a:r>
-            <a:endParaRPr lang="en-US" sz="3000" b="1" dirty="0" smtClean="0">
-              <a:solidFill>
-                <a:srgbClr val="CCFF66">
-                  <a:lumMod val="40000"/>
-                  <a:lumOff val="60000"/>
-                </a:srgbClr>
-              </a:solidFill>
-              <a:effectLst>
-                <a:outerShdw blurRad="38100" dist="38100" dir="2700000" algn="tl">
-                  <a:srgbClr val="000000">
-                    <a:alpha val="43137"/>
-                  </a:srgbClr>
-                </a:outerShdw>
-              </a:effectLst>
-              <a:latin typeface="Corbel"/>
-            </a:endParaRPr>
+              <a:t>[at] telerik.com</a:t>
+            </a:r>
           </a:p>
         </p:txBody>
       </p:sp>
@@ -9272,11 +8987,7 @@
           <a:p>
             <a:r>
               <a:rPr lang="en-US" dirty="0" smtClean="0"/>
-              <a:t>Trainers </a:t>
-            </a:r>
-            <a:r>
-              <a:rPr lang="en-US" dirty="0" smtClean="0"/>
-              <a:t>Team (5)</a:t>
+              <a:t>Trainers Team (5)</a:t>
             </a:r>
             <a:endParaRPr lang="en-US" dirty="0"/>
           </a:p>
@@ -9311,7 +9022,6 @@
               <a:rPr lang="en-US" dirty="0" smtClean="0"/>
               <a:t>Vesko Kolev</a:t>
             </a:r>
-            <a:endParaRPr lang="en-US" dirty="0" smtClean="0"/>
           </a:p>
           <a:p>
             <a:pPr lvl="1">
@@ -9346,7 +9056,6 @@
               <a:rPr lang="en-US" dirty="0" smtClean="0"/>
               <a:t>Centaur Team</a:t>
             </a:r>
-            <a:endParaRPr lang="en-US" dirty="0" smtClean="0"/>
           </a:p>
         </p:txBody>
       </p:sp>
@@ -9562,11 +9271,7 @@
           <a:p>
             <a:r>
               <a:rPr lang="en-US" dirty="0" smtClean="0"/>
-              <a:t>Trainers </a:t>
-            </a:r>
-            <a:r>
-              <a:rPr lang="en-US" dirty="0" smtClean="0"/>
-              <a:t>Team (6)</a:t>
+              <a:t>Trainers Team (6)</a:t>
             </a:r>
             <a:endParaRPr lang="en-US" dirty="0"/>
           </a:p>
@@ -9767,15 +9472,6 @@
               </a:rPr>
               <a:t> [at] gmail.com</a:t>
             </a:r>
-            <a:endParaRPr lang="en-US" sz="3000" b="1" dirty="0" smtClean="0">
-              <a:effectLst>
-                <a:outerShdw blurRad="38100" dist="38100" dir="2700000" algn="tl">
-                  <a:srgbClr val="000000">
-                    <a:alpha val="43137"/>
-                  </a:srgbClr>
-                </a:outerShdw>
-              </a:effectLst>
-            </a:endParaRPr>
           </a:p>
         </p:txBody>
       </p:sp>
@@ -9883,11 +9579,7 @@
           <a:p>
             <a:r>
               <a:rPr lang="en-US" dirty="0" smtClean="0"/>
-              <a:t>Trainers </a:t>
-            </a:r>
-            <a:r>
-              <a:rPr lang="en-US" dirty="0" smtClean="0"/>
-              <a:t>Team (7)</a:t>
+              <a:t>Trainers Team (7)</a:t>
             </a:r>
             <a:endParaRPr lang="en-US" dirty="0"/>
           </a:p>
@@ -9944,11 +9636,7 @@
             </a:pPr>
             <a:r>
               <a:rPr lang="en-US" dirty="0" smtClean="0"/>
-              <a:t>Telerik </a:t>
-            </a:r>
-            <a:r>
-              <a:rPr lang="en-US" dirty="0" smtClean="0"/>
-              <a:t>Corporation</a:t>
+              <a:t>Telerik Corporation</a:t>
             </a:r>
           </a:p>
           <a:p>
@@ -9961,7 +9649,6 @@
               <a:rPr lang="en-US" dirty="0" smtClean="0"/>
               <a:t>Centaur Team</a:t>
             </a:r>
-            <a:endParaRPr lang="en-US" dirty="0" smtClean="0"/>
           </a:p>
         </p:txBody>
       </p:sp>
@@ -10098,41 +9785,8 @@
                   </a:outerShdw>
                 </a:effectLst>
               </a:rPr>
-              <a:t> </a:t>
-            </a:r>
-            <a:r>
-              <a:rPr lang="en-US" sz="3000" b="1" dirty="0" smtClean="0">
-                <a:effectLst>
-                  <a:outerShdw blurRad="38100" dist="38100" dir="2700000" algn="tl">
-                    <a:srgbClr val="000000">
-                      <a:alpha val="43137"/>
-                    </a:srgbClr>
-                  </a:outerShdw>
-                </a:effectLst>
-              </a:rPr>
-              <a:t>[at] </a:t>
-            </a:r>
-            <a:r>
-              <a:rPr lang="en-US" sz="3000" b="1" dirty="0" smtClean="0">
-                <a:effectLst>
-                  <a:outerShdw blurRad="38100" dist="38100" dir="2700000" algn="tl">
-                    <a:srgbClr val="000000">
-                      <a:alpha val="43137"/>
-                    </a:srgbClr>
-                  </a:outerShdw>
-                </a:effectLst>
-              </a:rPr>
-              <a:t>telerik.com</a:t>
-            </a:r>
-            <a:endParaRPr lang="en-US" sz="3000" b="1" dirty="0" smtClean="0">
-              <a:effectLst>
-                <a:outerShdw blurRad="38100" dist="38100" dir="2700000" algn="tl">
-                  <a:srgbClr val="000000">
-                    <a:alpha val="43137"/>
-                  </a:srgbClr>
-                </a:outerShdw>
-              </a:effectLst>
-            </a:endParaRPr>
+              <a:t> [at] telerik.com</a:t>
+            </a:r>
           </a:p>
         </p:txBody>
       </p:sp>
@@ -10475,15 +10129,7 @@
             </a:pPr>
             <a:r>
               <a:rPr lang="en-US" dirty="0" smtClean="0"/>
-              <a:t>Based on .NET Framework, ASP.NET </a:t>
-            </a:r>
-            <a:r>
-              <a:rPr lang="en-US" dirty="0" smtClean="0"/>
-              <a:t>MVC, </a:t>
-            </a:r>
-            <a:r>
-              <a:rPr lang="en-US" dirty="0" smtClean="0"/>
-              <a:t>SQL Server and Entity Framework</a:t>
+              <a:t>Based on .NET Framework, ASP.NET MVC, SQL Server and Entity Framework</a:t>
             </a:r>
           </a:p>
           <a:p>
@@ -10922,11 +10568,7 @@
           <a:p>
             <a:r>
               <a:rPr lang="en-US" dirty="0" smtClean="0"/>
-              <a:t>Assessment </a:t>
-            </a:r>
-            <a:r>
-              <a:rPr lang="en-US" dirty="0" smtClean="0"/>
-              <a:t>(3)</a:t>
+              <a:t>Assessment (3)</a:t>
             </a:r>
             <a:endParaRPr lang="en-US" dirty="0"/>
           </a:p>
@@ -11406,26 +11048,6 @@
                         </a:rPr>
                         <a:t>85-100</a:t>
                       </a:r>
-                      <a:endParaRPr kumimoji="0" lang="en-US" sz="2400" b="1" i="0" u="none" strike="noStrike" kern="1200" cap="none" spc="0" normalizeH="0" baseline="0" noProof="0" dirty="0" smtClean="0">
-                        <a:ln>
-                          <a:noFill/>
-                        </a:ln>
-                        <a:solidFill>
-                          <a:srgbClr val="EBFFD2"/>
-                        </a:solidFill>
-                        <a:effectLst>
-                          <a:outerShdw blurRad="38100" dist="38100" dir="2700000" algn="tl">
-                            <a:srgbClr val="000000">
-                              <a:alpha val="43137"/>
-                            </a:srgbClr>
-                          </a:outerShdw>
-                        </a:effectLst>
-                        <a:uLnTx/>
-                        <a:uFillTx/>
-                        <a:latin typeface="Consolas" pitchFamily="49" charset="0"/>
-                        <a:ea typeface="+mn-ea"/>
-                        <a:cs typeface="Consolas" pitchFamily="49" charset="0"/>
-                      </a:endParaRPr>
                     </a:p>
                   </a:txBody>
                   <a:tcPr anchor="ctr" horzOverflow="overflow">
@@ -12650,7 +12272,6 @@
               <a:rPr lang="en-US" dirty="0" smtClean="0"/>
               <a:t>10% of the students will get certificate</a:t>
             </a:r>
-            <a:endParaRPr lang="en-US" dirty="0" smtClean="0"/>
           </a:p>
           <a:p>
             <a:pPr lvl="1">
@@ -13083,15 +12704,7 @@
             <a:pPr lvl="1"/>
             <a:r>
               <a:rPr lang="en-US" dirty="0" smtClean="0"/>
-              <a:t>Leading vendor of ASP.NET AJAX, Silverlight, WPF and </a:t>
-            </a:r>
-            <a:r>
-              <a:rPr lang="en-US" dirty="0" smtClean="0"/>
-              <a:t>ASP.NET MVC components</a:t>
-            </a:r>
-            <a:r>
-              <a:rPr lang="en-US" dirty="0" smtClean="0"/>
-              <a:t>, ORM, Reporting, and CMS solutions and VS Plugins</a:t>
+              <a:t>Leading vendor of ASP.NET AJAX, Silverlight, WPF and ASP.NET MVC components, ORM, Reporting, and CMS solutions and VS Plugins</a:t>
             </a:r>
           </a:p>
           <a:p>
@@ -13104,13 +12717,8 @@
             <a:pPr lvl="1"/>
             <a:r>
               <a:rPr lang="en-US" dirty="0" smtClean="0"/>
-              <a:t>With offices in USA, Germany, Australia, </a:t>
-            </a:r>
-            <a:r>
-              <a:rPr lang="en-US" dirty="0" smtClean="0"/>
-              <a:t>India</a:t>
-            </a:r>
-            <a:endParaRPr lang="en-US" dirty="0" smtClean="0"/>
+              <a:t>With offices in USA, Germany, Australia, India</a:t>
+            </a:r>
           </a:p>
           <a:p>
             <a:pPr lvl="1"/>
@@ -13299,15 +12907,6 @@
                 <a:tailEnd/>
               </a14:hiddenLine>
             </a:ext>
-            <a:ext uri="{AF507438-7753-43E0-B8FC-AC1667EBCBE1}">
-              <a14:hiddenEffects xmlns:a14="http://schemas.microsoft.com/office/drawing/2010/main">
-                <a:effectLst>
-                  <a:outerShdw dist="35921" dir="2700000" algn="ctr" rotWithShape="0">
-                    <a:schemeClr val="bg2"/>
-                  </a:outerShdw>
-                </a:effectLst>
-              </a14:hiddenEffects>
-            </a:ext>
           </a:extLst>
         </p:spPr>
       </p:pic>
@@ -13368,15 +12967,6 @@
                 <a:tailEnd/>
               </a14:hiddenLine>
             </a:ext>
-            <a:ext uri="{AF507438-7753-43E0-B8FC-AC1667EBCBE1}">
-              <a14:hiddenEffects xmlns:a14="http://schemas.microsoft.com/office/drawing/2010/main">
-                <a:effectLst>
-                  <a:outerShdw dist="35921" dir="2700000" algn="ctr" rotWithShape="0">
-                    <a:schemeClr val="bg2"/>
-                  </a:outerShdw>
-                </a:effectLst>
-              </a14:hiddenEffects>
-            </a:ext>
           </a:extLst>
         </p:spPr>
       </p:pic>
@@ -13436,15 +13026,6 @@
                 <a:headEnd/>
                 <a:tailEnd/>
               </a14:hiddenLine>
-            </a:ext>
-            <a:ext uri="{AF507438-7753-43E0-B8FC-AC1667EBCBE1}">
-              <a14:hiddenEffects xmlns:a14="http://schemas.microsoft.com/office/drawing/2010/main">
-                <a:effectLst>
-                  <a:outerShdw dist="35921" dir="2700000" algn="ctr" rotWithShape="0">
-                    <a:schemeClr val="bg2"/>
-                  </a:outerShdw>
-                </a:effectLst>
-              </a14:hiddenEffects>
             </a:ext>
           </a:extLst>
         </p:spPr>
@@ -13776,15 +13357,6 @@
                 <a:tailEnd/>
               </a14:hiddenLine>
             </a:ext>
-            <a:ext uri="{AF507438-7753-43E0-B8FC-AC1667EBCBE1}">
-              <a14:hiddenEffects xmlns:a14="http://schemas.microsoft.com/office/drawing/2010/main">
-                <a:effectLst>
-                  <a:outerShdw dist="35921" dir="2700000" algn="ctr" rotWithShape="0">
-                    <a:schemeClr val="bg2"/>
-                  </a:outerShdw>
-                </a:effectLst>
-              </a14:hiddenEffects>
-            </a:ext>
           </a:extLst>
         </p:spPr>
       </p:pic>
@@ -13805,11 +13377,7 @@
           <a:p>
             <a:r>
               <a:rPr lang="en-US" dirty="0" smtClean="0"/>
-              <a:t>Recommended </a:t>
-            </a:r>
-            <a:r>
-              <a:rPr lang="en-US" dirty="0" smtClean="0"/>
-              <a:t>Books (2)</a:t>
+              <a:t>Recommended Books (2)</a:t>
             </a:r>
             <a:endParaRPr lang="en-US" dirty="0"/>
           </a:p>
@@ -13872,14 +13440,7 @@
                 <a:effectLst/>
                 <a:hlinkClick r:id="rId3"/>
               </a:rPr>
-              <a:t>://</a:t>
-            </a:r>
-            <a:r>
-              <a:rPr lang="en-US" sz="3000" u="sng" dirty="0">
-                <a:effectLst/>
-                <a:hlinkClick r:id="rId3"/>
-              </a:rPr>
-              <a:t>www.introprogramming.info</a:t>
+              <a:t>://www.introprogramming.info</a:t>
             </a:r>
             <a:endParaRPr lang="en-US" sz="3000" u="sng" dirty="0">
               <a:effectLst/>
@@ -13950,13 +13511,7 @@
               <a:rPr lang="en-US" sz="3000" dirty="0" smtClean="0">
                 <a:effectLst/>
               </a:rPr>
-              <a:t>Nakov </a:t>
-            </a:r>
-            <a:r>
-              <a:rPr lang="en-US" sz="3000" dirty="0" smtClean="0">
-                <a:effectLst/>
-              </a:rPr>
-              <a:t>S. &amp; Co., Programming for .NET Framework, Volume </a:t>
+              <a:t>Nakov S. &amp; Co., Programming for .NET Framework, Volume </a:t>
             </a:r>
             <a:r>
               <a:rPr lang="en-US" sz="3000" dirty="0" smtClean="0">
@@ -14853,13 +14408,7 @@
               <a:rPr lang="en-US" sz="2400" b="1" dirty="0" smtClean="0">
                 <a:hlinkClick r:id="rId2"/>
               </a:rPr>
-              <a:t>http</a:t>
-            </a:r>
-            <a:r>
-              <a:rPr lang="en-US" sz="2400" b="1" dirty="0" smtClean="0">
-                <a:hlinkClick r:id="rId2"/>
-              </a:rPr>
-              <a:t>://mvccourse.telerik.com</a:t>
+              <a:t>http://mvccourse.telerik.com</a:t>
             </a:r>
             <a:endParaRPr lang="en-US" sz="2400" b="1" dirty="0"/>
           </a:p>
@@ -15026,13 +14575,8 @@
             </a:pPr>
             <a:r>
               <a:rPr lang="en-US" dirty="0" smtClean="0"/>
-              <a:t>Kids </a:t>
-            </a:r>
-            <a:r>
-              <a:rPr lang="en-US" dirty="0" smtClean="0"/>
-              <a:t>Academy</a:t>
-            </a:r>
-            <a:endParaRPr lang="en-US" dirty="0" smtClean="0"/>
+              <a:t>Kids Academy</a:t>
+            </a:r>
           </a:p>
           <a:p>
             <a:pPr lvl="1">
@@ -16887,23 +16431,6 @@
               </a:rPr>
               <a:t>)</a:t>
             </a:r>
-            <a:endParaRPr lang="en-US" sz="2000" b="1" dirty="0" smtClean="0">
-              <a:solidFill>
-                <a:srgbClr val="CCFF66">
-                  <a:lumMod val="40000"/>
-                  <a:lumOff val="60000"/>
-                </a:srgbClr>
-              </a:solidFill>
-              <a:effectLst>
-                <a:outerShdw blurRad="38100" dist="38100" dir="2700000" algn="tl">
-                  <a:srgbClr val="000000">
-                    <a:alpha val="43137"/>
-                  </a:srgbClr>
-                </a:outerShdw>
-              </a:effectLst>
-              <a:latin typeface="+mj-lt"/>
-              <a:cs typeface="Consolas" pitchFamily="49" charset="0"/>
-            </a:endParaRPr>
           </a:p>
         </p:txBody>
       </p:sp>
@@ -17834,7 +17361,6 @@
               <a:rPr lang="en-US" dirty="0" smtClean="0"/>
               <a:t>ASP.NET MVC objectives</a:t>
             </a:r>
-            <a:endParaRPr lang="en-US" dirty="0" smtClean="0"/>
           </a:p>
           <a:p>
             <a:pPr lvl="1">
@@ -17855,11 +17381,7 @@
             </a:pPr>
             <a:r>
               <a:rPr lang="en-US" dirty="0" smtClean="0"/>
-              <a:t>C</a:t>
-            </a:r>
-            <a:r>
-              <a:rPr lang="en-US" dirty="0" smtClean="0"/>
-              <a:t># language fundamentals</a:t>
+              <a:t>C# language fundamentals</a:t>
             </a:r>
           </a:p>
           <a:p>
@@ -17921,7 +17443,6 @@
               <a:rPr lang="en-US" dirty="0" smtClean="0"/>
               <a:t>ASP.NET MVC</a:t>
             </a:r>
-            <a:endParaRPr lang="en-US" dirty="0" smtClean="0"/>
           </a:p>
         </p:txBody>
       </p:sp>
@@ -18349,9 +17870,6 @@
             </a:r>
           </a:p>
           <a:p>
-            <a:endParaRPr lang="en-US" dirty="0"/>
-          </a:p>
-          <a:p>
             <a:pPr marL="0" indent="0" algn="ctr">
               <a:buNone/>
             </a:pPr>
@@ -18365,15 +17883,15 @@
               <a:rPr lang="en-US" sz="4400" dirty="0" smtClean="0">
                 <a:hlinkClick r:id="rId2"/>
               </a:rPr>
-              <a:t>://mvccourse.telerik.com</a:t>
+              <a:t>://</a:t>
+            </a:r>
+            <a:r>
+              <a:rPr lang="en-US" sz="4400" dirty="0" smtClean="0">
+                <a:hlinkClick r:id="rId2"/>
+              </a:rPr>
+              <a:t>mvccourse.telerik.com</a:t>
             </a:r>
             <a:endParaRPr lang="en-US" sz="4400" dirty="0" smtClean="0"/>
-          </a:p>
-          <a:p>
-            <a:pPr marL="0" indent="0" algn="ctr">
-              <a:buNone/>
-            </a:pPr>
-            <a:endParaRPr lang="en-US" sz="4400" dirty="0"/>
           </a:p>
           <a:p>
             <a:pPr lvl="0">
@@ -18400,7 +17918,11 @@
             </a:pPr>
             <a:r>
               <a:rPr lang="en-US" dirty="0" smtClean="0"/>
-              <a:t>Registration allows the trainers contact you regarding the course projects, exams, etc.</a:t>
+              <a:t>Registration </a:t>
+            </a:r>
+            <a:r>
+              <a:rPr lang="en-US" dirty="0" smtClean="0"/>
+              <a:t>allows the trainers contact you regarding the course projects, exams, etc.</a:t>
             </a:r>
           </a:p>
           <a:p>
@@ -18414,8 +17936,38 @@
             </a:pPr>
             <a:r>
               <a:rPr lang="en-US" dirty="0" smtClean="0"/>
-              <a:t>Registered students are assigned to work on one of the course projects</a:t>
-            </a:r>
+              <a:t>Registered students are assigned to work on one of the course </a:t>
+            </a:r>
+            <a:r>
+              <a:rPr lang="en-US" dirty="0" smtClean="0"/>
+              <a:t>projects</a:t>
+            </a:r>
+          </a:p>
+          <a:p>
+            <a:pPr lvl="0">
+              <a:buClr>
+                <a:srgbClr val="46A6BD">
+                  <a:lumMod val="40000"/>
+                  <a:lumOff val="60000"/>
+                </a:srgbClr>
+              </a:buClr>
+            </a:pPr>
+            <a:r>
+              <a:rPr lang="en-US" dirty="0"/>
+              <a:t>If you have any questions you can contact us:</a:t>
+            </a:r>
+          </a:p>
+          <a:p>
+            <a:pPr marL="0" indent="0" algn="ctr">
+              <a:buNone/>
+            </a:pPr>
+            <a:r>
+              <a:rPr lang="en-US" sz="4400" dirty="0" smtClean="0">
+                <a:hlinkClick r:id="rId3"/>
+              </a:rPr>
+              <a:t>academy@telerik.com</a:t>
+            </a:r>
+            <a:endParaRPr lang="en-US" sz="4400" dirty="0" smtClean="0"/>
           </a:p>
         </p:txBody>
       </p:sp>
